--- a/Presentation/Natural Disaster Presentation.pptx
+++ b/Presentation/Natural Disaster Presentation.pptx
@@ -304,10 +304,62 @@
 <file path=ppt/revisionInfo.xml><?xml version="1.0" encoding="utf-8"?>
 <p1510:revInfo xmlns:a="http://schemas.openxmlformats.org/drawingml/2006/main" xmlns:r="http://schemas.openxmlformats.org/officeDocument/2006/relationships" xmlns:p1510="http://schemas.microsoft.com/office/powerpoint/2015/10/main">
   <p1510:revLst>
-    <p1510:client id="{60EF8A34-FB0A-44A1-A552-BBB7067FA9FB}" v="22" dt="2023-12-15T09:19:47.866"/>
-    <p1510:client id="{F584773C-AD49-4235-8A3C-BFA2D9D2F65C}" v="245" dt="2023-12-15T01:34:36.112"/>
+    <p1510:client id="{B464FCFD-BF40-4B0B-9CAB-F0498F0C3542}" v="1" dt="2023-12-17T16:42:25.397"/>
   </p1510:revLst>
 </p1510:revInfo>
+</file>
+
+<file path=ppt/changesInfos/changesInfo1.xml><?xml version="1.0" encoding="utf-8"?>
+<pc:chgInfo xmlns:a="http://schemas.openxmlformats.org/drawingml/2006/main" xmlns:r="http://schemas.openxmlformats.org/officeDocument/2006/relationships" xmlns:ac="http://schemas.microsoft.com/office/drawing/2013/main/command" xmlns:pc="http://schemas.microsoft.com/office/powerpoint/2013/main/command">
+  <pc:docChgLst>
+    <pc:chgData name="Jéssica Castelo" userId="c971051db9bc3cbd" providerId="LiveId" clId="{B464FCFD-BF40-4B0B-9CAB-F0498F0C3542}"/>
+    <pc:docChg chg="custSel modSld">
+      <pc:chgData name="Jéssica Castelo" userId="c971051db9bc3cbd" providerId="LiveId" clId="{B464FCFD-BF40-4B0B-9CAB-F0498F0C3542}" dt="2023-12-17T16:46:50.837" v="100" actId="1076"/>
+      <pc:docMkLst>
+        <pc:docMk/>
+      </pc:docMkLst>
+      <pc:sldChg chg="addSp modSp mod">
+        <pc:chgData name="Jéssica Castelo" userId="c971051db9bc3cbd" providerId="LiveId" clId="{B464FCFD-BF40-4B0B-9CAB-F0498F0C3542}" dt="2023-12-17T16:46:50.837" v="100" actId="1076"/>
+        <pc:sldMkLst>
+          <pc:docMk/>
+          <pc:sldMk cId="1271200716" sldId="306"/>
+        </pc:sldMkLst>
+        <pc:spChg chg="add mod">
+          <ac:chgData name="Jéssica Castelo" userId="c971051db9bc3cbd" providerId="LiveId" clId="{B464FCFD-BF40-4B0B-9CAB-F0498F0C3542}" dt="2023-12-17T16:46:38.596" v="99" actId="403"/>
+          <ac:spMkLst>
+            <pc:docMk/>
+            <pc:sldMk cId="1271200716" sldId="306"/>
+            <ac:spMk id="2" creationId="{84AF8E40-ED48-BD64-B064-6E79BE726490}"/>
+          </ac:spMkLst>
+        </pc:spChg>
+        <pc:spChg chg="mod">
+          <ac:chgData name="Jéssica Castelo" userId="c971051db9bc3cbd" providerId="LiveId" clId="{B464FCFD-BF40-4B0B-9CAB-F0498F0C3542}" dt="2023-12-17T16:41:59.221" v="0" actId="1076"/>
+          <ac:spMkLst>
+            <pc:docMk/>
+            <pc:sldMk cId="1271200716" sldId="306"/>
+            <ac:spMk id="58" creationId="{00000000-0000-0000-0000-000000000000}"/>
+          </ac:spMkLst>
+        </pc:spChg>
+        <pc:spChg chg="mod">
+          <ac:chgData name="Jéssica Castelo" userId="c971051db9bc3cbd" providerId="LiveId" clId="{B464FCFD-BF40-4B0B-9CAB-F0498F0C3542}" dt="2023-12-17T16:46:50.837" v="100" actId="1076"/>
+          <ac:spMkLst>
+            <pc:docMk/>
+            <pc:sldMk cId="1271200716" sldId="306"/>
+            <ac:spMk id="98" creationId="{08CCE8F5-EF2E-CFE9-CBD3-E70D21FD111D}"/>
+          </ac:spMkLst>
+        </pc:spChg>
+        <pc:picChg chg="mod">
+          <ac:chgData name="Jéssica Castelo" userId="c971051db9bc3cbd" providerId="LiveId" clId="{B464FCFD-BF40-4B0B-9CAB-F0498F0C3542}" dt="2023-12-17T16:46:00.792" v="94" actId="1076"/>
+          <ac:picMkLst>
+            <pc:docMk/>
+            <pc:sldMk cId="1271200716" sldId="306"/>
+            <ac:picMk id="97" creationId="{89270ED3-C47A-3E0C-C721-A710A8E11813}"/>
+          </ac:picMkLst>
+        </pc:picChg>
+      </pc:sldChg>
+    </pc:docChg>
+  </pc:docChgLst>
+</pc:chgInfo>
 </file>
 
 <file path=ppt/notesMasters/notesMaster1.xml><?xml version="1.0" encoding="utf-8"?>
@@ -5460,7 +5512,7 @@
         </p:nvSpPr>
         <p:spPr>
           <a:xfrm>
-            <a:off x="3077935" y="-24492"/>
+            <a:off x="3012620" y="-311512"/>
             <a:ext cx="4862955" cy="2499540"/>
           </a:xfrm>
           <a:prstGeom prst="rect">
@@ -5594,8 +5646,8 @@
         </p:blipFill>
         <p:spPr>
           <a:xfrm>
-            <a:off x="-516048" y="2188028"/>
-            <a:ext cx="10176095" cy="3504132"/>
+            <a:off x="-744648" y="2188028"/>
+            <a:ext cx="11170441" cy="3504132"/>
           </a:xfrm>
           <a:prstGeom prst="rect">
             <a:avLst/>
@@ -5616,7 +5668,7 @@
         </p:nvSpPr>
         <p:spPr>
           <a:xfrm>
-            <a:off x="3396343" y="2016578"/>
+            <a:off x="3984171" y="2130878"/>
             <a:ext cx="734786" cy="342900"/>
           </a:xfrm>
           <a:prstGeom prst="rect">
@@ -5653,6 +5705,72 @@
           <a:p>
             <a:pPr algn="ctr"/>
             <a:endParaRPr lang="pt-PT"/>
+          </a:p>
+        </p:txBody>
+      </p:sp>
+      <p:sp>
+        <p:nvSpPr>
+          <p:cNvPr id="2" name="CaixaDeTexto 1">
+            <a:extLst>
+              <a:ext uri="{FF2B5EF4-FFF2-40B4-BE49-F238E27FC236}">
+                <a16:creationId xmlns:a16="http://schemas.microsoft.com/office/drawing/2014/main" id="{84AF8E40-ED48-BD64-B064-6E79BE726490}"/>
+              </a:ext>
+            </a:extLst>
+          </p:cNvPr>
+          <p:cNvSpPr txBox="1"/>
+          <p:nvPr/>
+        </p:nvSpPr>
+        <p:spPr>
+          <a:xfrm>
+            <a:off x="6361675" y="4486186"/>
+            <a:ext cx="3273879" cy="577081"/>
+          </a:xfrm>
+          <a:prstGeom prst="rect">
+            <a:avLst/>
+          </a:prstGeom>
+          <a:noFill/>
+        </p:spPr>
+        <p:txBody>
+          <a:bodyPr wrap="square" rtlCol="0">
+            <a:spAutoFit/>
+          </a:bodyPr>
+          <a:lstStyle/>
+          <a:p>
+            <a:pPr algn="ctr"/>
+            <a:r>
+              <a:rPr lang="pt-PT" sz="1050" b="1" dirty="0" err="1"/>
+              <a:t>Iron</a:t>
+            </a:r>
+            <a:r>
+              <a:rPr lang="pt-PT" sz="1050" b="1" dirty="0"/>
+              <a:t> </a:t>
+            </a:r>
+            <a:r>
+              <a:rPr lang="pt-PT" sz="1050" b="1" dirty="0" err="1"/>
+              <a:t>Hack</a:t>
+            </a:r>
+            <a:r>
+              <a:rPr lang="pt-PT" sz="1050" b="1" dirty="0"/>
+              <a:t> Final Project</a:t>
+            </a:r>
+          </a:p>
+          <a:p>
+            <a:pPr algn="ctr"/>
+            <a:r>
+              <a:rPr lang="pt-PT" sz="1050" b="1" dirty="0" err="1"/>
+              <a:t>Oct</a:t>
+            </a:r>
+            <a:r>
+              <a:rPr lang="pt-PT" sz="1050" b="1" dirty="0"/>
+              <a:t> - 2023</a:t>
+            </a:r>
+          </a:p>
+          <a:p>
+            <a:pPr algn="ctr"/>
+            <a:r>
+              <a:rPr lang="pt-PT" sz="1050" b="1" dirty="0"/>
+              <a:t>Jéssica Castelo</a:t>
+            </a:r>
           </a:p>
         </p:txBody>
       </p:sp>
